--- a/Logic Design Final Project.pptx
+++ b/Logic Design Final Project.pptx
@@ -864,7 +864,7 @@
   <p:cSld>
     <p:spTree>
       <p:nvGrpSpPr>
-        <p:cNvPr id="623" name="Shape 623"/>
+        <p:cNvPr id="625" name="Shape 625"/>
         <p:cNvGrpSpPr/>
         <p:nvPr/>
       </p:nvGrpSpPr>
@@ -878,7 +878,7 @@
       </p:grpSpPr>
       <p:sp>
         <p:nvSpPr>
-          <p:cNvPr id="624" name="Google Shape;624;g3173fed5189_4_19441:notes"/>
+          <p:cNvPr id="626" name="Google Shape;626;g3173fed5189_4_19441:notes"/>
           <p:cNvSpPr/>
           <p:nvPr>
             <p:ph idx="2" type="sldImg"/>
@@ -913,7 +913,7 @@
       </p:sp>
       <p:sp>
         <p:nvSpPr>
-          <p:cNvPr id="625" name="Google Shape;625;g3173fed5189_4_19441:notes"/>
+          <p:cNvPr id="627" name="Google Shape;627;g3173fed5189_4_19441:notes"/>
           <p:cNvSpPr txBox="1"/>
           <p:nvPr>
             <p:ph idx="1" type="body"/>
@@ -1179,7 +1179,7 @@
   <p:cSld>
     <p:spTree>
       <p:nvGrpSpPr>
-        <p:cNvPr id="583" name="Shape 583"/>
+        <p:cNvPr id="585" name="Shape 585"/>
         <p:cNvGrpSpPr/>
         <p:nvPr/>
       </p:nvGrpSpPr>
@@ -1193,7 +1193,7 @@
       </p:grpSpPr>
       <p:sp>
         <p:nvSpPr>
-          <p:cNvPr id="584" name="Google Shape;584;g3173fed5189_4_19387:notes"/>
+          <p:cNvPr id="586" name="Google Shape;586;g3173fed5189_4_19387:notes"/>
           <p:cNvSpPr/>
           <p:nvPr>
             <p:ph idx="2" type="sldImg"/>
@@ -1228,7 +1228,7 @@
       </p:sp>
       <p:sp>
         <p:nvSpPr>
-          <p:cNvPr id="585" name="Google Shape;585;g3173fed5189_4_19387:notes"/>
+          <p:cNvPr id="587" name="Google Shape;587;g3173fed5189_4_19387:notes"/>
           <p:cNvSpPr txBox="1"/>
           <p:nvPr>
             <p:ph idx="1" type="body"/>
@@ -1279,7 +1279,7 @@
   <p:cSld>
     <p:spTree>
       <p:nvGrpSpPr>
-        <p:cNvPr id="590" name="Shape 590"/>
+        <p:cNvPr id="592" name="Shape 592"/>
         <p:cNvGrpSpPr/>
         <p:nvPr/>
       </p:nvGrpSpPr>
@@ -1293,7 +1293,7 @@
       </p:grpSpPr>
       <p:sp>
         <p:nvSpPr>
-          <p:cNvPr id="591" name="Google Shape;591;g3173fed5189_4_19411:notes"/>
+          <p:cNvPr id="593" name="Google Shape;593;g3173fed5189_4_19411:notes"/>
           <p:cNvSpPr/>
           <p:nvPr>
             <p:ph idx="2" type="sldImg"/>
@@ -1328,7 +1328,7 @@
       </p:sp>
       <p:sp>
         <p:nvSpPr>
-          <p:cNvPr id="592" name="Google Shape;592;g3173fed5189_4_19411:notes"/>
+          <p:cNvPr id="594" name="Google Shape;594;g3173fed5189_4_19411:notes"/>
           <p:cNvSpPr txBox="1"/>
           <p:nvPr>
             <p:ph idx="1" type="body"/>
@@ -1379,7 +1379,7 @@
   <p:cSld>
     <p:spTree>
       <p:nvGrpSpPr>
-        <p:cNvPr id="596" name="Shape 596"/>
+        <p:cNvPr id="598" name="Shape 598"/>
         <p:cNvGrpSpPr/>
         <p:nvPr/>
       </p:nvGrpSpPr>
@@ -1393,7 +1393,7 @@
       </p:grpSpPr>
       <p:sp>
         <p:nvSpPr>
-          <p:cNvPr id="597" name="Google Shape;597;g3173fed5189_4_19421:notes"/>
+          <p:cNvPr id="599" name="Google Shape;599;g3173fed5189_4_19421:notes"/>
           <p:cNvSpPr/>
           <p:nvPr>
             <p:ph idx="2" type="sldImg"/>
@@ -1428,7 +1428,7 @@
       </p:sp>
       <p:sp>
         <p:nvSpPr>
-          <p:cNvPr id="598" name="Google Shape;598;g3173fed5189_4_19421:notes"/>
+          <p:cNvPr id="600" name="Google Shape;600;g3173fed5189_4_19421:notes"/>
           <p:cNvSpPr txBox="1"/>
           <p:nvPr>
             <p:ph idx="1" type="body"/>
@@ -1479,7 +1479,7 @@
   <p:cSld>
     <p:spTree>
       <p:nvGrpSpPr>
-        <p:cNvPr id="603" name="Shape 603"/>
+        <p:cNvPr id="605" name="Shape 605"/>
         <p:cNvGrpSpPr/>
         <p:nvPr/>
       </p:nvGrpSpPr>
@@ -1493,7 +1493,7 @@
       </p:grpSpPr>
       <p:sp>
         <p:nvSpPr>
-          <p:cNvPr id="604" name="Google Shape;604;g31bb1ca6c02_0_7:notes"/>
+          <p:cNvPr id="606" name="Google Shape;606;g31bb1ca6c02_0_7:notes"/>
           <p:cNvSpPr/>
           <p:nvPr>
             <p:ph idx="2" type="sldImg"/>
@@ -1528,7 +1528,7 @@
       </p:sp>
       <p:sp>
         <p:nvSpPr>
-          <p:cNvPr id="605" name="Google Shape;605;g31bb1ca6c02_0_7:notes"/>
+          <p:cNvPr id="607" name="Google Shape;607;g31bb1ca6c02_0_7:notes"/>
           <p:cNvSpPr txBox="1"/>
           <p:nvPr>
             <p:ph idx="1" type="body"/>
@@ -1579,7 +1579,7 @@
   <p:cSld>
     <p:spTree>
       <p:nvGrpSpPr>
-        <p:cNvPr id="610" name="Shape 610"/>
+        <p:cNvPr id="612" name="Shape 612"/>
         <p:cNvGrpSpPr/>
         <p:nvPr/>
       </p:nvGrpSpPr>
@@ -1593,7 +1593,7 @@
       </p:grpSpPr>
       <p:sp>
         <p:nvSpPr>
-          <p:cNvPr id="611" name="Google Shape;611;g31b0223ea63_0_11:notes"/>
+          <p:cNvPr id="613" name="Google Shape;613;g31b0223ea63_0_11:notes"/>
           <p:cNvSpPr/>
           <p:nvPr>
             <p:ph idx="2" type="sldImg"/>
@@ -1628,7 +1628,7 @@
       </p:sp>
       <p:sp>
         <p:nvSpPr>
-          <p:cNvPr id="612" name="Google Shape;612;g31b0223ea63_0_11:notes"/>
+          <p:cNvPr id="614" name="Google Shape;614;g31b0223ea63_0_11:notes"/>
           <p:cNvSpPr txBox="1"/>
           <p:nvPr>
             <p:ph idx="1" type="body"/>
@@ -1679,7 +1679,7 @@
   <p:cSld>
     <p:spTree>
       <p:nvGrpSpPr>
-        <p:cNvPr id="617" name="Shape 617"/>
+        <p:cNvPr id="619" name="Shape 619"/>
         <p:cNvGrpSpPr/>
         <p:nvPr/>
       </p:nvGrpSpPr>
@@ -1693,7 +1693,7 @@
       </p:grpSpPr>
       <p:sp>
         <p:nvSpPr>
-          <p:cNvPr id="618" name="Google Shape;618;g3173fed5189_4_19431:notes"/>
+          <p:cNvPr id="620" name="Google Shape;620;g3173fed5189_4_19431:notes"/>
           <p:cNvSpPr/>
           <p:nvPr>
             <p:ph idx="2" type="sldImg"/>
@@ -1728,7 +1728,7 @@
       </p:sp>
       <p:sp>
         <p:nvSpPr>
-          <p:cNvPr id="619" name="Google Shape;619;g3173fed5189_4_19431:notes"/>
+          <p:cNvPr id="621" name="Google Shape;621;g3173fed5189_4_19431:notes"/>
           <p:cNvSpPr txBox="1"/>
           <p:nvPr>
             <p:ph idx="1" type="body"/>
@@ -52388,7 +52388,7 @@
   <p:cSld>
     <p:spTree>
       <p:nvGrpSpPr>
-        <p:cNvPr id="626" name="Shape 626"/>
+        <p:cNvPr id="628" name="Shape 628"/>
         <p:cNvGrpSpPr/>
         <p:nvPr/>
       </p:nvGrpSpPr>
@@ -52402,7 +52402,7 @@
       </p:grpSpPr>
       <p:sp>
         <p:nvSpPr>
-          <p:cNvPr id="627" name="Google Shape;627;p75"/>
+          <p:cNvPr id="629" name="Google Shape;629;p75"/>
           <p:cNvSpPr txBox="1"/>
           <p:nvPr>
             <p:ph type="title"/>
@@ -52442,7 +52442,7 @@
       </p:sp>
       <p:sp>
         <p:nvSpPr>
-          <p:cNvPr id="628" name="Google Shape;628;p75"/>
+          <p:cNvPr id="630" name="Google Shape;630;p75"/>
           <p:cNvSpPr txBox="1"/>
           <p:nvPr/>
         </p:nvSpPr>
@@ -53514,7 +53514,7 @@
                 <a:cs typeface="Montserrat"/>
                 <a:sym typeface="Montserrat"/>
               </a:rPr>
-              <a:t>3 Buttons on FPGA</a:t>
+              <a:t>4 Buttons on FPGA</a:t>
             </a:r>
             <a:endParaRPr sz="1500">
               <a:solidFill>
@@ -53544,8 +53544,8 @@
         </p:blipFill>
         <p:spPr>
           <a:xfrm>
-            <a:off x="256675" y="2160156"/>
-            <a:ext cx="843400" cy="573632"/>
+            <a:off x="256675" y="2160151"/>
+            <a:ext cx="680167" cy="462625"/>
           </a:xfrm>
           <a:prstGeom prst="rect">
             <a:avLst/>
@@ -53658,36 +53658,8 @@
         </p:blipFill>
         <p:spPr>
           <a:xfrm>
-            <a:off x="256675" y="2976468"/>
-            <a:ext cx="843400" cy="573632"/>
-          </a:xfrm>
-          <a:prstGeom prst="rect">
-            <a:avLst/>
-          </a:prstGeom>
-          <a:noFill/>
-          <a:ln>
-            <a:noFill/>
-          </a:ln>
-        </p:spPr>
-      </p:pic>
-      <p:pic>
-        <p:nvPicPr>
-          <p:cNvPr id="578" name="Google Shape;578;p68"/>
-          <p:cNvPicPr preferRelativeResize="0"/>
-          <p:nvPr/>
-        </p:nvPicPr>
-        <p:blipFill>
-          <a:blip r:embed="rId5">
-            <a:alphaModFix/>
-          </a:blip>
-          <a:stretch>
-            <a:fillRect/>
-          </a:stretch>
-        </p:blipFill>
-        <p:spPr>
-          <a:xfrm>
-            <a:off x="256675" y="3792781"/>
-            <a:ext cx="843400" cy="573632"/>
+            <a:off x="256675" y="2866374"/>
+            <a:ext cx="680175" cy="462610"/>
           </a:xfrm>
           <a:prstGeom prst="rect">
             <a:avLst/>
@@ -53700,14 +53672,14 @@
       </p:pic>
       <p:sp>
         <p:nvSpPr>
-          <p:cNvPr id="579" name="Google Shape;579;p68"/>
+          <p:cNvPr id="578" name="Google Shape;578;p68"/>
           <p:cNvSpPr txBox="1"/>
           <p:nvPr/>
         </p:nvSpPr>
         <p:spPr>
           <a:xfrm>
-            <a:off x="1105675" y="2261800"/>
-            <a:ext cx="523200" cy="311400"/>
+            <a:off x="936850" y="2214075"/>
+            <a:ext cx="628200" cy="311400"/>
           </a:xfrm>
           <a:prstGeom prst="rect">
             <a:avLst/>
@@ -53742,7 +53714,65 @@
                 <a:cs typeface="Montserrat"/>
                 <a:sym typeface="Montserrat"/>
               </a:rPr>
-              <a:t>dot</a:t>
+              <a:t>Dot</a:t>
+            </a:r>
+            <a:endParaRPr sz="1500">
+              <a:solidFill>
+                <a:schemeClr val="dk2"/>
+              </a:solidFill>
+              <a:latin typeface="Montserrat"/>
+              <a:ea typeface="Montserrat"/>
+              <a:cs typeface="Montserrat"/>
+              <a:sym typeface="Montserrat"/>
+            </a:endParaRPr>
+          </a:p>
+        </p:txBody>
+      </p:sp>
+      <p:sp>
+        <p:nvSpPr>
+          <p:cNvPr id="579" name="Google Shape;579;p68"/>
+          <p:cNvSpPr txBox="1"/>
+          <p:nvPr/>
+        </p:nvSpPr>
+        <p:spPr>
+          <a:xfrm>
+            <a:off x="936850" y="2930088"/>
+            <a:ext cx="730500" cy="311400"/>
+          </a:xfrm>
+          <a:prstGeom prst="rect">
+            <a:avLst/>
+          </a:prstGeom>
+          <a:noFill/>
+          <a:ln>
+            <a:noFill/>
+          </a:ln>
+        </p:spPr>
+        <p:txBody>
+          <a:bodyPr anchorCtr="0" anchor="t" bIns="91425" lIns="91425" spcFirstLastPara="1" rIns="91425" wrap="square" tIns="91425">
+            <a:noAutofit/>
+          </a:bodyPr>
+          <a:lstStyle/>
+          <a:p>
+            <a:pPr indent="0" lvl="0" marL="0" rtl="0" algn="l">
+              <a:spcBef>
+                <a:spcPts val="0"/>
+              </a:spcBef>
+              <a:spcAft>
+                <a:spcPts val="0"/>
+              </a:spcAft>
+              <a:buNone/>
+            </a:pPr>
+            <a:r>
+              <a:rPr lang="en" sz="1500">
+                <a:solidFill>
+                  <a:schemeClr val="dk2"/>
+                </a:solidFill>
+                <a:latin typeface="Montserrat"/>
+                <a:ea typeface="Montserrat"/>
+                <a:cs typeface="Montserrat"/>
+                <a:sym typeface="Montserrat"/>
+              </a:rPr>
+              <a:t>Dash</a:t>
             </a:r>
             <a:endParaRPr sz="1500">
               <a:solidFill>
@@ -53764,66 +53794,8 @@
         </p:nvSpPr>
         <p:spPr>
           <a:xfrm>
-            <a:off x="1105675" y="3097550"/>
-            <a:ext cx="730500" cy="311400"/>
-          </a:xfrm>
-          <a:prstGeom prst="rect">
-            <a:avLst/>
-          </a:prstGeom>
-          <a:noFill/>
-          <a:ln>
-            <a:noFill/>
-          </a:ln>
-        </p:spPr>
-        <p:txBody>
-          <a:bodyPr anchorCtr="0" anchor="t" bIns="91425" lIns="91425" spcFirstLastPara="1" rIns="91425" wrap="square" tIns="91425">
-            <a:noAutofit/>
-          </a:bodyPr>
-          <a:lstStyle/>
-          <a:p>
-            <a:pPr indent="0" lvl="0" marL="0" rtl="0" algn="l">
-              <a:spcBef>
-                <a:spcPts val="0"/>
-              </a:spcBef>
-              <a:spcAft>
-                <a:spcPts val="0"/>
-              </a:spcAft>
-              <a:buNone/>
-            </a:pPr>
-            <a:r>
-              <a:rPr lang="en" sz="1500">
-                <a:solidFill>
-                  <a:schemeClr val="dk2"/>
-                </a:solidFill>
-                <a:latin typeface="Montserrat"/>
-                <a:ea typeface="Montserrat"/>
-                <a:cs typeface="Montserrat"/>
-                <a:sym typeface="Montserrat"/>
-              </a:rPr>
-              <a:t>dash</a:t>
-            </a:r>
-            <a:endParaRPr sz="1500">
-              <a:solidFill>
-                <a:schemeClr val="dk2"/>
-              </a:solidFill>
-              <a:latin typeface="Montserrat"/>
-              <a:ea typeface="Montserrat"/>
-              <a:cs typeface="Montserrat"/>
-              <a:sym typeface="Montserrat"/>
-            </a:endParaRPr>
-          </a:p>
-        </p:txBody>
-      </p:sp>
-      <p:sp>
-        <p:nvSpPr>
-          <p:cNvPr id="581" name="Google Shape;581;p68"/>
-          <p:cNvSpPr txBox="1"/>
-          <p:nvPr/>
-        </p:nvSpPr>
-        <p:spPr>
-          <a:xfrm>
-            <a:off x="1105675" y="3753275"/>
-            <a:ext cx="1698000" cy="311400"/>
+            <a:off x="936850" y="3624425"/>
+            <a:ext cx="1861800" cy="311400"/>
           </a:xfrm>
           <a:prstGeom prst="rect">
             <a:avLst/>
@@ -53874,7 +53846,7 @@
       </p:sp>
       <p:pic>
         <p:nvPicPr>
-          <p:cNvPr id="582" name="Google Shape;582;p68"/>
+          <p:cNvPr id="581" name="Google Shape;581;p68"/>
           <p:cNvPicPr preferRelativeResize="0"/>
           <p:nvPr/>
         </p:nvPicPr>
@@ -53900,6 +53872,120 @@
           </a:ln>
         </p:spPr>
       </p:pic>
+      <p:pic>
+        <p:nvPicPr>
+          <p:cNvPr id="582" name="Google Shape;582;p68"/>
+          <p:cNvPicPr preferRelativeResize="0"/>
+          <p:nvPr/>
+        </p:nvPicPr>
+        <p:blipFill>
+          <a:blip r:embed="rId5">
+            <a:alphaModFix/>
+          </a:blip>
+          <a:stretch>
+            <a:fillRect/>
+          </a:stretch>
+        </p:blipFill>
+        <p:spPr>
+          <a:xfrm>
+            <a:off x="256675" y="3548824"/>
+            <a:ext cx="680175" cy="462610"/>
+          </a:xfrm>
+          <a:prstGeom prst="rect">
+            <a:avLst/>
+          </a:prstGeom>
+          <a:noFill/>
+          <a:ln>
+            <a:noFill/>
+          </a:ln>
+        </p:spPr>
+      </p:pic>
+      <p:pic>
+        <p:nvPicPr>
+          <p:cNvPr id="583" name="Google Shape;583;p68"/>
+          <p:cNvPicPr preferRelativeResize="0"/>
+          <p:nvPr/>
+        </p:nvPicPr>
+        <p:blipFill>
+          <a:blip r:embed="rId5">
+            <a:alphaModFix/>
+          </a:blip>
+          <a:stretch>
+            <a:fillRect/>
+          </a:stretch>
+        </p:blipFill>
+        <p:spPr>
+          <a:xfrm>
+            <a:off x="256675" y="4191274"/>
+            <a:ext cx="680175" cy="462610"/>
+          </a:xfrm>
+          <a:prstGeom prst="rect">
+            <a:avLst/>
+          </a:prstGeom>
+          <a:noFill/>
+          <a:ln>
+            <a:noFill/>
+          </a:ln>
+        </p:spPr>
+      </p:pic>
+      <p:sp>
+        <p:nvSpPr>
+          <p:cNvPr id="584" name="Google Shape;584;p68"/>
+          <p:cNvSpPr txBox="1"/>
+          <p:nvPr/>
+        </p:nvSpPr>
+        <p:spPr>
+          <a:xfrm>
+            <a:off x="1002025" y="4266863"/>
+            <a:ext cx="730500" cy="311400"/>
+          </a:xfrm>
+          <a:prstGeom prst="rect">
+            <a:avLst/>
+          </a:prstGeom>
+          <a:noFill/>
+          <a:ln>
+            <a:noFill/>
+          </a:ln>
+        </p:spPr>
+        <p:txBody>
+          <a:bodyPr anchorCtr="0" anchor="t" bIns="91425" lIns="91425" spcFirstLastPara="1" rIns="91425" wrap="square" tIns="91425">
+            <a:noAutofit/>
+          </a:bodyPr>
+          <a:lstStyle/>
+          <a:p>
+            <a:pPr indent="0" lvl="0" marL="0" rtl="0" algn="l">
+              <a:spcBef>
+                <a:spcPts val="0"/>
+              </a:spcBef>
+              <a:spcAft>
+                <a:spcPts val="0"/>
+              </a:spcAft>
+              <a:buNone/>
+            </a:pPr>
+            <a:r>
+              <a:rPr lang="en" sz="1500">
+                <a:solidFill>
+                  <a:schemeClr val="dk2"/>
+                </a:solidFill>
+                <a:latin typeface="Montserrat"/>
+                <a:ea typeface="Montserrat"/>
+                <a:cs typeface="Montserrat"/>
+                <a:sym typeface="Montserrat"/>
+              </a:rPr>
+              <a:t>Reset</a:t>
+            </a:r>
+            <a:endParaRPr sz="1500">
+              <a:solidFill>
+                <a:schemeClr val="dk2"/>
+              </a:solidFill>
+              <a:latin typeface="Montserrat"/>
+              <a:ea typeface="Montserrat"/>
+              <a:cs typeface="Montserrat"/>
+              <a:sym typeface="Montserrat"/>
+            </a:endParaRPr>
+          </a:p>
+        </p:txBody>
+      </p:sp>
     </p:spTree>
   </p:cSld>
   <p:clrMapOvr>
@@ -53913,7 +53999,7 @@
   <p:cSld>
     <p:spTree>
       <p:nvGrpSpPr>
-        <p:cNvPr id="586" name="Shape 586"/>
+        <p:cNvPr id="588" name="Shape 588"/>
         <p:cNvGrpSpPr/>
         <p:nvPr/>
       </p:nvGrpSpPr>
@@ -53927,7 +54013,7 @@
       </p:grpSpPr>
       <p:sp>
         <p:nvSpPr>
-          <p:cNvPr id="587" name="Google Shape;587;p69"/>
+          <p:cNvPr id="589" name="Google Shape;589;p69"/>
           <p:cNvSpPr/>
           <p:nvPr/>
         </p:nvSpPr>
@@ -54288,7 +54374,7 @@
       </p:sp>
       <p:sp>
         <p:nvSpPr>
-          <p:cNvPr id="588" name="Google Shape;588;p69"/>
+          <p:cNvPr id="590" name="Google Shape;590;p69"/>
           <p:cNvSpPr txBox="1"/>
           <p:nvPr>
             <p:ph type="title"/>
@@ -54328,7 +54414,7 @@
       </p:sp>
       <p:sp>
         <p:nvSpPr>
-          <p:cNvPr id="589" name="Google Shape;589;p69"/>
+          <p:cNvPr id="591" name="Google Shape;591;p69"/>
           <p:cNvSpPr/>
           <p:nvPr/>
         </p:nvSpPr>
@@ -54739,7 +54825,7 @@
   <p:cSld>
     <p:spTree>
       <p:nvGrpSpPr>
-        <p:cNvPr id="593" name="Shape 593"/>
+        <p:cNvPr id="595" name="Shape 595"/>
         <p:cNvGrpSpPr/>
         <p:nvPr/>
       </p:nvGrpSpPr>
@@ -54753,7 +54839,7 @@
       </p:grpSpPr>
       <p:sp>
         <p:nvSpPr>
-          <p:cNvPr id="594" name="Google Shape;594;p70"/>
+          <p:cNvPr id="596" name="Google Shape;596;p70"/>
           <p:cNvSpPr txBox="1"/>
           <p:nvPr>
             <p:ph type="title"/>
@@ -54793,29 +54879,34 @@
       </p:sp>
       <p:pic>
         <p:nvPicPr>
-          <p:cNvPr id="595" name="Google Shape;595;p70"/>
+          <p:cNvPr id="597" name="Google Shape;597;p70"/>
           <p:cNvPicPr preferRelativeResize="0"/>
           <p:nvPr/>
         </p:nvPicPr>
-        <p:blipFill>
+        <p:blipFill rotWithShape="1">
           <a:blip r:embed="rId3">
             <a:alphaModFix/>
           </a:blip>
-          <a:stretch>
-            <a:fillRect/>
-          </a:stretch>
+          <a:srcRect b="0" l="0" r="0" t="0"/>
+          <a:stretch/>
         </p:blipFill>
         <p:spPr>
           <a:xfrm>
-            <a:off x="152400" y="1160250"/>
-            <a:ext cx="8839204" cy="3508922"/>
+            <a:off x="1544450" y="1084050"/>
+            <a:ext cx="6611227" cy="3718826"/>
           </a:xfrm>
           <a:prstGeom prst="rect">
             <a:avLst/>
           </a:prstGeom>
           <a:noFill/>
-          <a:ln>
-            <a:noFill/>
+          <a:ln cap="flat" cmpd="sng" w="19050">
+            <a:solidFill>
+              <a:schemeClr val="dk2"/>
+            </a:solidFill>
+            <a:prstDash val="solid"/>
+            <a:round/>
+            <a:headEnd len="sm" w="sm" type="none"/>
+            <a:tailEnd len="sm" w="sm" type="none"/>
           </a:ln>
         </p:spPr>
       </p:pic>
@@ -54832,7 +54923,7 @@
   <p:cSld>
     <p:spTree>
       <p:nvGrpSpPr>
-        <p:cNvPr id="599" name="Shape 599"/>
+        <p:cNvPr id="601" name="Shape 601"/>
         <p:cNvGrpSpPr/>
         <p:nvPr/>
       </p:nvGrpSpPr>
@@ -54846,7 +54937,7 @@
       </p:grpSpPr>
       <p:sp>
         <p:nvSpPr>
-          <p:cNvPr id="600" name="Google Shape;600;p71"/>
+          <p:cNvPr id="602" name="Google Shape;602;p71"/>
           <p:cNvSpPr txBox="1"/>
           <p:nvPr>
             <p:ph type="title"/>
@@ -54886,7 +54977,7 @@
       </p:sp>
       <p:pic>
         <p:nvPicPr>
-          <p:cNvPr id="601" name="Google Shape;601;p71"/>
+          <p:cNvPr id="603" name="Google Shape;603;p71"/>
           <p:cNvPicPr preferRelativeResize="0"/>
           <p:nvPr/>
         </p:nvPicPr>
@@ -54913,7 +55004,7 @@
       </p:pic>
       <p:sp>
         <p:nvSpPr>
-          <p:cNvPr id="602" name="Google Shape;602;p71"/>
+          <p:cNvPr id="604" name="Google Shape;604;p71"/>
           <p:cNvSpPr txBox="1"/>
           <p:nvPr/>
         </p:nvSpPr>
@@ -55166,7 +55257,7 @@
   <p:cSld>
     <p:spTree>
       <p:nvGrpSpPr>
-        <p:cNvPr id="606" name="Shape 606"/>
+        <p:cNvPr id="608" name="Shape 608"/>
         <p:cNvGrpSpPr/>
         <p:nvPr/>
       </p:nvGrpSpPr>
@@ -55180,7 +55271,7 @@
       </p:grpSpPr>
       <p:sp>
         <p:nvSpPr>
-          <p:cNvPr id="607" name="Google Shape;607;p72"/>
+          <p:cNvPr id="609" name="Google Shape;609;p72"/>
           <p:cNvSpPr txBox="1"/>
           <p:nvPr>
             <p:ph type="title"/>
@@ -55220,7 +55311,7 @@
       </p:sp>
       <p:pic>
         <p:nvPicPr>
-          <p:cNvPr id="608" name="Google Shape;608;p72"/>
+          <p:cNvPr id="610" name="Google Shape;610;p72"/>
           <p:cNvPicPr preferRelativeResize="0"/>
           <p:nvPr/>
         </p:nvPicPr>
@@ -55247,7 +55338,7 @@
       </p:pic>
       <p:sp>
         <p:nvSpPr>
-          <p:cNvPr id="609" name="Google Shape;609;p72"/>
+          <p:cNvPr id="611" name="Google Shape;611;p72"/>
           <p:cNvSpPr txBox="1"/>
           <p:nvPr/>
         </p:nvSpPr>
@@ -55427,7 +55518,7 @@
   <p:cSld>
     <p:spTree>
       <p:nvGrpSpPr>
-        <p:cNvPr id="613" name="Shape 613"/>
+        <p:cNvPr id="615" name="Shape 615"/>
         <p:cNvGrpSpPr/>
         <p:nvPr/>
       </p:nvGrpSpPr>
@@ -55441,7 +55532,7 @@
       </p:grpSpPr>
       <p:sp>
         <p:nvSpPr>
-          <p:cNvPr id="614" name="Google Shape;614;p73"/>
+          <p:cNvPr id="616" name="Google Shape;616;p73"/>
           <p:cNvSpPr txBox="1"/>
           <p:nvPr>
             <p:ph type="title"/>
@@ -55481,7 +55572,7 @@
       </p:sp>
       <p:sp>
         <p:nvSpPr>
-          <p:cNvPr id="615" name="Google Shape;615;p73"/>
+          <p:cNvPr id="617" name="Google Shape;617;p73"/>
           <p:cNvSpPr txBox="1"/>
           <p:nvPr/>
         </p:nvSpPr>
@@ -55653,7 +55744,7 @@
       </p:sp>
       <p:pic>
         <p:nvPicPr>
-          <p:cNvPr id="616" name="Google Shape;616;p73"/>
+          <p:cNvPr id="618" name="Google Shape;618;p73"/>
           <p:cNvPicPr preferRelativeResize="0"/>
           <p:nvPr/>
         </p:nvPicPr>
@@ -55697,7 +55788,7 @@
   <p:cSld>
     <p:spTree>
       <p:nvGrpSpPr>
-        <p:cNvPr id="620" name="Shape 620"/>
+        <p:cNvPr id="622" name="Shape 622"/>
         <p:cNvGrpSpPr/>
         <p:nvPr/>
       </p:nvGrpSpPr>
@@ -55711,7 +55802,7 @@
       </p:grpSpPr>
       <p:sp>
         <p:nvSpPr>
-          <p:cNvPr id="621" name="Google Shape;621;p74"/>
+          <p:cNvPr id="623" name="Google Shape;623;p74"/>
           <p:cNvSpPr txBox="1"/>
           <p:nvPr>
             <p:ph type="title"/>
@@ -55751,7 +55842,7 @@
       </p:sp>
       <p:sp>
         <p:nvSpPr>
-          <p:cNvPr id="622" name="Google Shape;622;p74"/>
+          <p:cNvPr id="624" name="Google Shape;624;p74"/>
           <p:cNvSpPr txBox="1"/>
           <p:nvPr/>
         </p:nvSpPr>
